--- a/MM2020/figs/well-drawn_sketches.pptx
+++ b/MM2020/figs/well-drawn_sketches.pptx
@@ -4,14 +4,17 @@
   <p:sldMasterIdLst>
     <p:sldMasterId id="2147483648" r:id="rId1"/>
   </p:sldMasterIdLst>
-  <p:sldSz cx="9144000" cy="6858000" type="screen4x3"/>
+  <p:sldIdLst>
+    <p:sldId id="256" r:id="rId2"/>
+  </p:sldIdLst>
+  <p:sldSz cx="10080625" cy="13681075"/>
   <p:notesSz cx="6858000" cy="9144000"/>
   <p:defaultTextStyle>
     <a:defPPr>
       <a:defRPr lang="zh-CN"/>
     </a:defPPr>
-    <a:lvl1pPr marL="0" algn="l" defTabSz="914400" rtl="0" eaLnBrk="1" latinLnBrk="0" hangingPunct="1">
-      <a:defRPr sz="1800" kern="1200">
+    <a:lvl1pPr marL="0" algn="l" defTabSz="1357793" rtl="0" eaLnBrk="1" latinLnBrk="0" hangingPunct="1">
+      <a:defRPr sz="2700" kern="1200">
         <a:solidFill>
           <a:schemeClr val="tx1"/>
         </a:solidFill>
@@ -20,8 +23,8 @@
         <a:cs typeface="+mn-cs"/>
       </a:defRPr>
     </a:lvl1pPr>
-    <a:lvl2pPr marL="457200" algn="l" defTabSz="914400" rtl="0" eaLnBrk="1" latinLnBrk="0" hangingPunct="1">
-      <a:defRPr sz="1800" kern="1200">
+    <a:lvl2pPr marL="678896" algn="l" defTabSz="1357793" rtl="0" eaLnBrk="1" latinLnBrk="0" hangingPunct="1">
+      <a:defRPr sz="2700" kern="1200">
         <a:solidFill>
           <a:schemeClr val="tx1"/>
         </a:solidFill>
@@ -30,8 +33,8 @@
         <a:cs typeface="+mn-cs"/>
       </a:defRPr>
     </a:lvl2pPr>
-    <a:lvl3pPr marL="914400" algn="l" defTabSz="914400" rtl="0" eaLnBrk="1" latinLnBrk="0" hangingPunct="1">
-      <a:defRPr sz="1800" kern="1200">
+    <a:lvl3pPr marL="1357793" algn="l" defTabSz="1357793" rtl="0" eaLnBrk="1" latinLnBrk="0" hangingPunct="1">
+      <a:defRPr sz="2700" kern="1200">
         <a:solidFill>
           <a:schemeClr val="tx1"/>
         </a:solidFill>
@@ -40,8 +43,8 @@
         <a:cs typeface="+mn-cs"/>
       </a:defRPr>
     </a:lvl3pPr>
-    <a:lvl4pPr marL="1371600" algn="l" defTabSz="914400" rtl="0" eaLnBrk="1" latinLnBrk="0" hangingPunct="1">
-      <a:defRPr sz="1800" kern="1200">
+    <a:lvl4pPr marL="2036689" algn="l" defTabSz="1357793" rtl="0" eaLnBrk="1" latinLnBrk="0" hangingPunct="1">
+      <a:defRPr sz="2700" kern="1200">
         <a:solidFill>
           <a:schemeClr val="tx1"/>
         </a:solidFill>
@@ -50,8 +53,8 @@
         <a:cs typeface="+mn-cs"/>
       </a:defRPr>
     </a:lvl4pPr>
-    <a:lvl5pPr marL="1828800" algn="l" defTabSz="914400" rtl="0" eaLnBrk="1" latinLnBrk="0" hangingPunct="1">
-      <a:defRPr sz="1800" kern="1200">
+    <a:lvl5pPr marL="2715585" algn="l" defTabSz="1357793" rtl="0" eaLnBrk="1" latinLnBrk="0" hangingPunct="1">
+      <a:defRPr sz="2700" kern="1200">
         <a:solidFill>
           <a:schemeClr val="tx1"/>
         </a:solidFill>
@@ -60,8 +63,8 @@
         <a:cs typeface="+mn-cs"/>
       </a:defRPr>
     </a:lvl5pPr>
-    <a:lvl6pPr marL="2286000" algn="l" defTabSz="914400" rtl="0" eaLnBrk="1" latinLnBrk="0" hangingPunct="1">
-      <a:defRPr sz="1800" kern="1200">
+    <a:lvl6pPr marL="3394481" algn="l" defTabSz="1357793" rtl="0" eaLnBrk="1" latinLnBrk="0" hangingPunct="1">
+      <a:defRPr sz="2700" kern="1200">
         <a:solidFill>
           <a:schemeClr val="tx1"/>
         </a:solidFill>
@@ -70,8 +73,8 @@
         <a:cs typeface="+mn-cs"/>
       </a:defRPr>
     </a:lvl6pPr>
-    <a:lvl7pPr marL="2743200" algn="l" defTabSz="914400" rtl="0" eaLnBrk="1" latinLnBrk="0" hangingPunct="1">
-      <a:defRPr sz="1800" kern="1200">
+    <a:lvl7pPr marL="4073378" algn="l" defTabSz="1357793" rtl="0" eaLnBrk="1" latinLnBrk="0" hangingPunct="1">
+      <a:defRPr sz="2700" kern="1200">
         <a:solidFill>
           <a:schemeClr val="tx1"/>
         </a:solidFill>
@@ -80,8 +83,8 @@
         <a:cs typeface="+mn-cs"/>
       </a:defRPr>
     </a:lvl7pPr>
-    <a:lvl8pPr marL="3200400" algn="l" defTabSz="914400" rtl="0" eaLnBrk="1" latinLnBrk="0" hangingPunct="1">
-      <a:defRPr sz="1800" kern="1200">
+    <a:lvl8pPr marL="4752274" algn="l" defTabSz="1357793" rtl="0" eaLnBrk="1" latinLnBrk="0" hangingPunct="1">
+      <a:defRPr sz="2700" kern="1200">
         <a:solidFill>
           <a:schemeClr val="tx1"/>
         </a:solidFill>
@@ -90,8 +93,8 @@
         <a:cs typeface="+mn-cs"/>
       </a:defRPr>
     </a:lvl8pPr>
-    <a:lvl9pPr marL="3657600" algn="l" defTabSz="914400" rtl="0" eaLnBrk="1" latinLnBrk="0" hangingPunct="1">
-      <a:defRPr sz="1800" kern="1200">
+    <a:lvl9pPr marL="5431170" algn="l" defTabSz="1357793" rtl="0" eaLnBrk="1" latinLnBrk="0" hangingPunct="1">
+      <a:defRPr sz="2700" kern="1200">
         <a:solidFill>
           <a:schemeClr val="tx1"/>
         </a:solidFill>
@@ -133,8 +136,8 @@
         </p:nvSpPr>
         <p:spPr>
           <a:xfrm>
-            <a:off x="685800" y="2130425"/>
-            <a:ext cx="7772400" cy="1470025"/>
+            <a:off x="756047" y="4250001"/>
+            <a:ext cx="8568531" cy="2932564"/>
           </a:xfrm>
         </p:spPr>
         <p:txBody>
@@ -161,8 +164,8 @@
         </p:nvSpPr>
         <p:spPr>
           <a:xfrm>
-            <a:off x="1371600" y="3886200"/>
-            <a:ext cx="6400800" cy="1752600"/>
+            <a:off x="1512094" y="7752609"/>
+            <a:ext cx="7056438" cy="3496275"/>
           </a:xfrm>
         </p:spPr>
         <p:txBody>
@@ -178,7 +181,7 @@
                 </a:solidFill>
               </a:defRPr>
             </a:lvl1pPr>
-            <a:lvl2pPr marL="457200" indent="0" algn="ctr">
+            <a:lvl2pPr marL="678896" indent="0" algn="ctr">
               <a:buNone/>
               <a:defRPr>
                 <a:solidFill>
@@ -188,7 +191,7 @@
                 </a:solidFill>
               </a:defRPr>
             </a:lvl2pPr>
-            <a:lvl3pPr marL="914400" indent="0" algn="ctr">
+            <a:lvl3pPr marL="1357793" indent="0" algn="ctr">
               <a:buNone/>
               <a:defRPr>
                 <a:solidFill>
@@ -198,7 +201,7 @@
                 </a:solidFill>
               </a:defRPr>
             </a:lvl3pPr>
-            <a:lvl4pPr marL="1371600" indent="0" algn="ctr">
+            <a:lvl4pPr marL="2036689" indent="0" algn="ctr">
               <a:buNone/>
               <a:defRPr>
                 <a:solidFill>
@@ -208,7 +211,7 @@
                 </a:solidFill>
               </a:defRPr>
             </a:lvl4pPr>
-            <a:lvl5pPr marL="1828800" indent="0" algn="ctr">
+            <a:lvl5pPr marL="2715585" indent="0" algn="ctr">
               <a:buNone/>
               <a:defRPr>
                 <a:solidFill>
@@ -218,7 +221,7 @@
                 </a:solidFill>
               </a:defRPr>
             </a:lvl5pPr>
-            <a:lvl6pPr marL="2286000" indent="0" algn="ctr">
+            <a:lvl6pPr marL="3394481" indent="0" algn="ctr">
               <a:buNone/>
               <a:defRPr>
                 <a:solidFill>
@@ -228,7 +231,7 @@
                 </a:solidFill>
               </a:defRPr>
             </a:lvl6pPr>
-            <a:lvl7pPr marL="2743200" indent="0" algn="ctr">
+            <a:lvl7pPr marL="4073378" indent="0" algn="ctr">
               <a:buNone/>
               <a:defRPr>
                 <a:solidFill>
@@ -238,7 +241,7 @@
                 </a:solidFill>
               </a:defRPr>
             </a:lvl7pPr>
-            <a:lvl8pPr marL="3200400" indent="0" algn="ctr">
+            <a:lvl8pPr marL="4752274" indent="0" algn="ctr">
               <a:buNone/>
               <a:defRPr>
                 <a:solidFill>
@@ -248,7 +251,7 @@
                 </a:solidFill>
               </a:defRPr>
             </a:lvl8pPr>
-            <a:lvl9pPr marL="3657600" indent="0" algn="ctr">
+            <a:lvl9pPr marL="5431170" indent="0" algn="ctr">
               <a:buNone/>
               <a:defRPr>
                 <a:solidFill>
@@ -285,7 +288,8 @@
           <a:p>
             <a:fld id="{530820CF-B880-4189-942D-D702A7CBA730}" type="datetimeFigureOut">
               <a:rPr lang="zh-CN" altLang="en-US" smtClean="0"/>
-              <a:t>2006-9-7</a:t>
+              <a:pPr/>
+              <a:t>2020/5/25</a:t>
             </a:fld>
             <a:endParaRPr lang="zh-CN" altLang="en-US"/>
           </a:p>
@@ -327,6 +331,7 @@
           <a:p>
             <a:fld id="{0C913308-F349-4B6D-A68A-DD1791B4A57B}" type="slidenum">
               <a:rPr lang="zh-CN" altLang="en-US" smtClean="0"/>
+              <a:pPr/>
               <a:t>‹#›</a:t>
             </a:fld>
             <a:endParaRPr lang="zh-CN" altLang="en-US"/>
@@ -450,7 +455,8 @@
           <a:p>
             <a:fld id="{530820CF-B880-4189-942D-D702A7CBA730}" type="datetimeFigureOut">
               <a:rPr lang="zh-CN" altLang="en-US" smtClean="0"/>
-              <a:t>2006-9-7</a:t>
+              <a:pPr/>
+              <a:t>2020/5/25</a:t>
             </a:fld>
             <a:endParaRPr lang="zh-CN" altLang="en-US"/>
           </a:p>
@@ -492,6 +498,7 @@
           <a:p>
             <a:fld id="{0C913308-F349-4B6D-A68A-DD1791B4A57B}" type="slidenum">
               <a:rPr lang="zh-CN" altLang="en-US" smtClean="0"/>
+              <a:pPr/>
               <a:t>‹#›</a:t>
             </a:fld>
             <a:endParaRPr lang="zh-CN" altLang="en-US"/>
@@ -535,8 +542,8 @@
         </p:nvSpPr>
         <p:spPr>
           <a:xfrm>
-            <a:off x="6629400" y="274638"/>
-            <a:ext cx="2057400" cy="5851525"/>
+            <a:off x="7308453" y="547878"/>
+            <a:ext cx="2268141" cy="11673251"/>
           </a:xfrm>
         </p:spPr>
         <p:txBody>
@@ -563,8 +570,8 @@
         </p:nvSpPr>
         <p:spPr>
           <a:xfrm>
-            <a:off x="457200" y="274638"/>
-            <a:ext cx="6019800" cy="5851525"/>
+            <a:off x="504031" y="547878"/>
+            <a:ext cx="6636411" cy="11673251"/>
           </a:xfrm>
         </p:spPr>
         <p:txBody>
@@ -625,7 +632,8 @@
           <a:p>
             <a:fld id="{530820CF-B880-4189-942D-D702A7CBA730}" type="datetimeFigureOut">
               <a:rPr lang="zh-CN" altLang="en-US" smtClean="0"/>
-              <a:t>2006-9-7</a:t>
+              <a:pPr/>
+              <a:t>2020/5/25</a:t>
             </a:fld>
             <a:endParaRPr lang="zh-CN" altLang="en-US"/>
           </a:p>
@@ -667,6 +675,7 @@
           <a:p>
             <a:fld id="{0C913308-F349-4B6D-A68A-DD1791B4A57B}" type="slidenum">
               <a:rPr lang="zh-CN" altLang="en-US" smtClean="0"/>
+              <a:pPr/>
               <a:t>‹#›</a:t>
             </a:fld>
             <a:endParaRPr lang="zh-CN" altLang="en-US"/>
@@ -790,7 +799,8 @@
           <a:p>
             <a:fld id="{530820CF-B880-4189-942D-D702A7CBA730}" type="datetimeFigureOut">
               <a:rPr lang="zh-CN" altLang="en-US" smtClean="0"/>
-              <a:t>2006-9-7</a:t>
+              <a:pPr/>
+              <a:t>2020/5/25</a:t>
             </a:fld>
             <a:endParaRPr lang="zh-CN" altLang="en-US"/>
           </a:p>
@@ -832,6 +842,7 @@
           <a:p>
             <a:fld id="{0C913308-F349-4B6D-A68A-DD1791B4A57B}" type="slidenum">
               <a:rPr lang="zh-CN" altLang="en-US" smtClean="0"/>
+              <a:pPr/>
               <a:t>‹#›</a:t>
             </a:fld>
             <a:endParaRPr lang="zh-CN" altLang="en-US"/>
@@ -875,15 +886,15 @@
         </p:nvSpPr>
         <p:spPr>
           <a:xfrm>
-            <a:off x="722313" y="4406900"/>
-            <a:ext cx="7772400" cy="1362075"/>
+            <a:off x="796300" y="8791358"/>
+            <a:ext cx="8568531" cy="2717214"/>
           </a:xfrm>
         </p:spPr>
         <p:txBody>
           <a:bodyPr anchor="t"/>
           <a:lstStyle>
             <a:lvl1pPr algn="l">
-              <a:defRPr sz="4000" b="1" cap="all"/>
+              <a:defRPr sz="5900" b="1" cap="all"/>
             </a:lvl1pPr>
           </a:lstStyle>
           <a:p>
@@ -907,8 +918,8 @@
         </p:nvSpPr>
         <p:spPr>
           <a:xfrm>
-            <a:off x="722313" y="2906713"/>
-            <a:ext cx="7772400" cy="1500187"/>
+            <a:off x="796300" y="5798624"/>
+            <a:ext cx="8568531" cy="2992734"/>
           </a:xfrm>
         </p:spPr>
         <p:txBody>
@@ -916,7 +927,7 @@
           <a:lstStyle>
             <a:lvl1pPr marL="0" indent="0">
               <a:buNone/>
-              <a:defRPr sz="2000">
+              <a:defRPr sz="3000">
                 <a:solidFill>
                   <a:schemeClr val="tx1">
                     <a:tint val="75000"/>
@@ -924,9 +935,9 @@
                 </a:solidFill>
               </a:defRPr>
             </a:lvl1pPr>
-            <a:lvl2pPr marL="457200" indent="0">
-              <a:buNone/>
-              <a:defRPr sz="1800">
+            <a:lvl2pPr marL="678896" indent="0">
+              <a:buNone/>
+              <a:defRPr sz="2700">
                 <a:solidFill>
                   <a:schemeClr val="tx1">
                     <a:tint val="75000"/>
@@ -934,9 +945,9 @@
                 </a:solidFill>
               </a:defRPr>
             </a:lvl2pPr>
-            <a:lvl3pPr marL="914400" indent="0">
-              <a:buNone/>
-              <a:defRPr sz="1600">
+            <a:lvl3pPr marL="1357793" indent="0">
+              <a:buNone/>
+              <a:defRPr sz="2400">
                 <a:solidFill>
                   <a:schemeClr val="tx1">
                     <a:tint val="75000"/>
@@ -944,9 +955,9 @@
                 </a:solidFill>
               </a:defRPr>
             </a:lvl3pPr>
-            <a:lvl4pPr marL="1371600" indent="0">
-              <a:buNone/>
-              <a:defRPr sz="1400">
+            <a:lvl4pPr marL="2036689" indent="0">
+              <a:buNone/>
+              <a:defRPr sz="2100">
                 <a:solidFill>
                   <a:schemeClr val="tx1">
                     <a:tint val="75000"/>
@@ -954,9 +965,9 @@
                 </a:solidFill>
               </a:defRPr>
             </a:lvl4pPr>
-            <a:lvl5pPr marL="1828800" indent="0">
-              <a:buNone/>
-              <a:defRPr sz="1400">
+            <a:lvl5pPr marL="2715585" indent="0">
+              <a:buNone/>
+              <a:defRPr sz="2100">
                 <a:solidFill>
                   <a:schemeClr val="tx1">
                     <a:tint val="75000"/>
@@ -964,9 +975,9 @@
                 </a:solidFill>
               </a:defRPr>
             </a:lvl5pPr>
-            <a:lvl6pPr marL="2286000" indent="0">
-              <a:buNone/>
-              <a:defRPr sz="1400">
+            <a:lvl6pPr marL="3394481" indent="0">
+              <a:buNone/>
+              <a:defRPr sz="2100">
                 <a:solidFill>
                   <a:schemeClr val="tx1">
                     <a:tint val="75000"/>
@@ -974,9 +985,9 @@
                 </a:solidFill>
               </a:defRPr>
             </a:lvl6pPr>
-            <a:lvl7pPr marL="2743200" indent="0">
-              <a:buNone/>
-              <a:defRPr sz="1400">
+            <a:lvl7pPr marL="4073378" indent="0">
+              <a:buNone/>
+              <a:defRPr sz="2100">
                 <a:solidFill>
                   <a:schemeClr val="tx1">
                     <a:tint val="75000"/>
@@ -984,9 +995,9 @@
                 </a:solidFill>
               </a:defRPr>
             </a:lvl7pPr>
-            <a:lvl8pPr marL="3200400" indent="0">
-              <a:buNone/>
-              <a:defRPr sz="1400">
+            <a:lvl8pPr marL="4752274" indent="0">
+              <a:buNone/>
+              <a:defRPr sz="2100">
                 <a:solidFill>
                   <a:schemeClr val="tx1">
                     <a:tint val="75000"/>
@@ -994,9 +1005,9 @@
                 </a:solidFill>
               </a:defRPr>
             </a:lvl8pPr>
-            <a:lvl9pPr marL="3657600" indent="0">
-              <a:buNone/>
-              <a:defRPr sz="1400">
+            <a:lvl9pPr marL="5431170" indent="0">
+              <a:buNone/>
+              <a:defRPr sz="2100">
                 <a:solidFill>
                   <a:schemeClr val="tx1">
                     <a:tint val="75000"/>
@@ -1031,7 +1042,8 @@
           <a:p>
             <a:fld id="{530820CF-B880-4189-942D-D702A7CBA730}" type="datetimeFigureOut">
               <a:rPr lang="zh-CN" altLang="en-US" smtClean="0"/>
-              <a:t>2006-9-7</a:t>
+              <a:pPr/>
+              <a:t>2020/5/25</a:t>
             </a:fld>
             <a:endParaRPr lang="zh-CN" altLang="en-US"/>
           </a:p>
@@ -1073,6 +1085,7 @@
           <a:p>
             <a:fld id="{0C913308-F349-4B6D-A68A-DD1791B4A57B}" type="slidenum">
               <a:rPr lang="zh-CN" altLang="en-US" smtClean="0"/>
+              <a:pPr/>
               <a:t>‹#›</a:t>
             </a:fld>
             <a:endParaRPr lang="zh-CN" altLang="en-US"/>
@@ -1139,39 +1152,39 @@
         </p:nvSpPr>
         <p:spPr>
           <a:xfrm>
-            <a:off x="457200" y="1600200"/>
-            <a:ext cx="4038600" cy="4525963"/>
+            <a:off x="504031" y="3192252"/>
+            <a:ext cx="4452276" cy="9028877"/>
           </a:xfrm>
         </p:spPr>
         <p:txBody>
           <a:bodyPr/>
           <a:lstStyle>
             <a:lvl1pPr>
-              <a:defRPr sz="2800"/>
+              <a:defRPr sz="4200"/>
             </a:lvl1pPr>
             <a:lvl2pPr>
-              <a:defRPr sz="2400"/>
+              <a:defRPr sz="3600"/>
             </a:lvl2pPr>
             <a:lvl3pPr>
-              <a:defRPr sz="2000"/>
+              <a:defRPr sz="3000"/>
             </a:lvl3pPr>
             <a:lvl4pPr>
-              <a:defRPr sz="1800"/>
+              <a:defRPr sz="2700"/>
             </a:lvl4pPr>
             <a:lvl5pPr>
-              <a:defRPr sz="1800"/>
+              <a:defRPr sz="2700"/>
             </a:lvl5pPr>
             <a:lvl6pPr>
-              <a:defRPr sz="1800"/>
+              <a:defRPr sz="2700"/>
             </a:lvl6pPr>
             <a:lvl7pPr>
-              <a:defRPr sz="1800"/>
+              <a:defRPr sz="2700"/>
             </a:lvl7pPr>
             <a:lvl8pPr>
-              <a:defRPr sz="1800"/>
+              <a:defRPr sz="2700"/>
             </a:lvl8pPr>
             <a:lvl9pPr>
-              <a:defRPr sz="1800"/>
+              <a:defRPr sz="2700"/>
             </a:lvl9pPr>
           </a:lstStyle>
           <a:p>
@@ -1224,39 +1237,39 @@
         </p:nvSpPr>
         <p:spPr>
           <a:xfrm>
-            <a:off x="4648200" y="1600200"/>
-            <a:ext cx="4038600" cy="4525963"/>
+            <a:off x="5124318" y="3192252"/>
+            <a:ext cx="4452276" cy="9028877"/>
           </a:xfrm>
         </p:spPr>
         <p:txBody>
           <a:bodyPr/>
           <a:lstStyle>
             <a:lvl1pPr>
-              <a:defRPr sz="2800"/>
+              <a:defRPr sz="4200"/>
             </a:lvl1pPr>
             <a:lvl2pPr>
-              <a:defRPr sz="2400"/>
+              <a:defRPr sz="3600"/>
             </a:lvl2pPr>
             <a:lvl3pPr>
-              <a:defRPr sz="2000"/>
+              <a:defRPr sz="3000"/>
             </a:lvl3pPr>
             <a:lvl4pPr>
-              <a:defRPr sz="1800"/>
+              <a:defRPr sz="2700"/>
             </a:lvl4pPr>
             <a:lvl5pPr>
-              <a:defRPr sz="1800"/>
+              <a:defRPr sz="2700"/>
             </a:lvl5pPr>
             <a:lvl6pPr>
-              <a:defRPr sz="1800"/>
+              <a:defRPr sz="2700"/>
             </a:lvl6pPr>
             <a:lvl7pPr>
-              <a:defRPr sz="1800"/>
+              <a:defRPr sz="2700"/>
             </a:lvl7pPr>
             <a:lvl8pPr>
-              <a:defRPr sz="1800"/>
+              <a:defRPr sz="2700"/>
             </a:lvl8pPr>
             <a:lvl9pPr>
-              <a:defRPr sz="1800"/>
+              <a:defRPr sz="2700"/>
             </a:lvl9pPr>
           </a:lstStyle>
           <a:p>
@@ -1314,7 +1327,8 @@
           <a:p>
             <a:fld id="{530820CF-B880-4189-942D-D702A7CBA730}" type="datetimeFigureOut">
               <a:rPr lang="zh-CN" altLang="en-US" smtClean="0"/>
-              <a:t>2006-9-7</a:t>
+              <a:pPr/>
+              <a:t>2020/5/25</a:t>
             </a:fld>
             <a:endParaRPr lang="zh-CN" altLang="en-US"/>
           </a:p>
@@ -1356,6 +1370,7 @@
           <a:p>
             <a:fld id="{0C913308-F349-4B6D-A68A-DD1791B4A57B}" type="slidenum">
               <a:rPr lang="zh-CN" altLang="en-US" smtClean="0"/>
+              <a:pPr/>
               <a:t>‹#›</a:t>
             </a:fld>
             <a:endParaRPr lang="zh-CN" altLang="en-US"/>
@@ -1426,8 +1441,8 @@
         </p:nvSpPr>
         <p:spPr>
           <a:xfrm>
-            <a:off x="457200" y="1535113"/>
-            <a:ext cx="4040188" cy="639762"/>
+            <a:off x="504031" y="3062408"/>
+            <a:ext cx="4454027" cy="1276266"/>
           </a:xfrm>
         </p:spPr>
         <p:txBody>
@@ -1435,39 +1450,39 @@
           <a:lstStyle>
             <a:lvl1pPr marL="0" indent="0">
               <a:buNone/>
+              <a:defRPr sz="3600" b="1"/>
+            </a:lvl1pPr>
+            <a:lvl2pPr marL="678896" indent="0">
+              <a:buNone/>
+              <a:defRPr sz="3000" b="1"/>
+            </a:lvl2pPr>
+            <a:lvl3pPr marL="1357793" indent="0">
+              <a:buNone/>
+              <a:defRPr sz="2700" b="1"/>
+            </a:lvl3pPr>
+            <a:lvl4pPr marL="2036689" indent="0">
+              <a:buNone/>
               <a:defRPr sz="2400" b="1"/>
-            </a:lvl1pPr>
-            <a:lvl2pPr marL="457200" indent="0">
-              <a:buNone/>
-              <a:defRPr sz="2000" b="1"/>
-            </a:lvl2pPr>
-            <a:lvl3pPr marL="914400" indent="0">
-              <a:buNone/>
-              <a:defRPr sz="1800" b="1"/>
-            </a:lvl3pPr>
-            <a:lvl4pPr marL="1371600" indent="0">
-              <a:buNone/>
-              <a:defRPr sz="1600" b="1"/>
             </a:lvl4pPr>
-            <a:lvl5pPr marL="1828800" indent="0">
-              <a:buNone/>
-              <a:defRPr sz="1600" b="1"/>
+            <a:lvl5pPr marL="2715585" indent="0">
+              <a:buNone/>
+              <a:defRPr sz="2400" b="1"/>
             </a:lvl5pPr>
-            <a:lvl6pPr marL="2286000" indent="0">
-              <a:buNone/>
-              <a:defRPr sz="1600" b="1"/>
+            <a:lvl6pPr marL="3394481" indent="0">
+              <a:buNone/>
+              <a:defRPr sz="2400" b="1"/>
             </a:lvl6pPr>
-            <a:lvl7pPr marL="2743200" indent="0">
-              <a:buNone/>
-              <a:defRPr sz="1600" b="1"/>
+            <a:lvl7pPr marL="4073378" indent="0">
+              <a:buNone/>
+              <a:defRPr sz="2400" b="1"/>
             </a:lvl7pPr>
-            <a:lvl8pPr marL="3200400" indent="0">
-              <a:buNone/>
-              <a:defRPr sz="1600" b="1"/>
+            <a:lvl8pPr marL="4752274" indent="0">
+              <a:buNone/>
+              <a:defRPr sz="2400" b="1"/>
             </a:lvl8pPr>
-            <a:lvl9pPr marL="3657600" indent="0">
-              <a:buNone/>
-              <a:defRPr sz="1600" b="1"/>
+            <a:lvl9pPr marL="5431170" indent="0">
+              <a:buNone/>
+              <a:defRPr sz="2400" b="1"/>
             </a:lvl9pPr>
           </a:lstStyle>
           <a:p>
@@ -1491,39 +1506,39 @@
         </p:nvSpPr>
         <p:spPr>
           <a:xfrm>
-            <a:off x="457200" y="2174875"/>
-            <a:ext cx="4040188" cy="3951288"/>
+            <a:off x="504031" y="4338674"/>
+            <a:ext cx="4454027" cy="7882454"/>
           </a:xfrm>
         </p:spPr>
         <p:txBody>
           <a:bodyPr/>
           <a:lstStyle>
             <a:lvl1pPr>
-              <a:defRPr sz="2400"/>
+              <a:defRPr sz="3600"/>
             </a:lvl1pPr>
             <a:lvl2pPr>
-              <a:defRPr sz="2000"/>
+              <a:defRPr sz="3000"/>
             </a:lvl2pPr>
             <a:lvl3pPr>
-              <a:defRPr sz="1800"/>
+              <a:defRPr sz="2700"/>
             </a:lvl3pPr>
             <a:lvl4pPr>
-              <a:defRPr sz="1600"/>
+              <a:defRPr sz="2400"/>
             </a:lvl4pPr>
             <a:lvl5pPr>
-              <a:defRPr sz="1600"/>
+              <a:defRPr sz="2400"/>
             </a:lvl5pPr>
             <a:lvl6pPr>
-              <a:defRPr sz="1600"/>
+              <a:defRPr sz="2400"/>
             </a:lvl6pPr>
             <a:lvl7pPr>
-              <a:defRPr sz="1600"/>
+              <a:defRPr sz="2400"/>
             </a:lvl7pPr>
             <a:lvl8pPr>
-              <a:defRPr sz="1600"/>
+              <a:defRPr sz="2400"/>
             </a:lvl8pPr>
             <a:lvl9pPr>
-              <a:defRPr sz="1600"/>
+              <a:defRPr sz="2400"/>
             </a:lvl9pPr>
           </a:lstStyle>
           <a:p>
@@ -1576,8 +1591,8 @@
         </p:nvSpPr>
         <p:spPr>
           <a:xfrm>
-            <a:off x="4645025" y="1535113"/>
-            <a:ext cx="4041775" cy="639762"/>
+            <a:off x="5120818" y="3062408"/>
+            <a:ext cx="4455776" cy="1276266"/>
           </a:xfrm>
         </p:spPr>
         <p:txBody>
@@ -1585,39 +1600,39 @@
           <a:lstStyle>
             <a:lvl1pPr marL="0" indent="0">
               <a:buNone/>
+              <a:defRPr sz="3600" b="1"/>
+            </a:lvl1pPr>
+            <a:lvl2pPr marL="678896" indent="0">
+              <a:buNone/>
+              <a:defRPr sz="3000" b="1"/>
+            </a:lvl2pPr>
+            <a:lvl3pPr marL="1357793" indent="0">
+              <a:buNone/>
+              <a:defRPr sz="2700" b="1"/>
+            </a:lvl3pPr>
+            <a:lvl4pPr marL="2036689" indent="0">
+              <a:buNone/>
               <a:defRPr sz="2400" b="1"/>
-            </a:lvl1pPr>
-            <a:lvl2pPr marL="457200" indent="0">
-              <a:buNone/>
-              <a:defRPr sz="2000" b="1"/>
-            </a:lvl2pPr>
-            <a:lvl3pPr marL="914400" indent="0">
-              <a:buNone/>
-              <a:defRPr sz="1800" b="1"/>
-            </a:lvl3pPr>
-            <a:lvl4pPr marL="1371600" indent="0">
-              <a:buNone/>
-              <a:defRPr sz="1600" b="1"/>
             </a:lvl4pPr>
-            <a:lvl5pPr marL="1828800" indent="0">
-              <a:buNone/>
-              <a:defRPr sz="1600" b="1"/>
+            <a:lvl5pPr marL="2715585" indent="0">
+              <a:buNone/>
+              <a:defRPr sz="2400" b="1"/>
             </a:lvl5pPr>
-            <a:lvl6pPr marL="2286000" indent="0">
-              <a:buNone/>
-              <a:defRPr sz="1600" b="1"/>
+            <a:lvl6pPr marL="3394481" indent="0">
+              <a:buNone/>
+              <a:defRPr sz="2400" b="1"/>
             </a:lvl6pPr>
-            <a:lvl7pPr marL="2743200" indent="0">
-              <a:buNone/>
-              <a:defRPr sz="1600" b="1"/>
+            <a:lvl7pPr marL="4073378" indent="0">
+              <a:buNone/>
+              <a:defRPr sz="2400" b="1"/>
             </a:lvl7pPr>
-            <a:lvl8pPr marL="3200400" indent="0">
-              <a:buNone/>
-              <a:defRPr sz="1600" b="1"/>
+            <a:lvl8pPr marL="4752274" indent="0">
+              <a:buNone/>
+              <a:defRPr sz="2400" b="1"/>
             </a:lvl8pPr>
-            <a:lvl9pPr marL="3657600" indent="0">
-              <a:buNone/>
-              <a:defRPr sz="1600" b="1"/>
+            <a:lvl9pPr marL="5431170" indent="0">
+              <a:buNone/>
+              <a:defRPr sz="2400" b="1"/>
             </a:lvl9pPr>
           </a:lstStyle>
           <a:p>
@@ -1641,39 +1656,39 @@
         </p:nvSpPr>
         <p:spPr>
           <a:xfrm>
-            <a:off x="4645025" y="2174875"/>
-            <a:ext cx="4041775" cy="3951288"/>
+            <a:off x="5120818" y="4338674"/>
+            <a:ext cx="4455776" cy="7882454"/>
           </a:xfrm>
         </p:spPr>
         <p:txBody>
           <a:bodyPr/>
           <a:lstStyle>
             <a:lvl1pPr>
-              <a:defRPr sz="2400"/>
+              <a:defRPr sz="3600"/>
             </a:lvl1pPr>
             <a:lvl2pPr>
-              <a:defRPr sz="2000"/>
+              <a:defRPr sz="3000"/>
             </a:lvl2pPr>
             <a:lvl3pPr>
-              <a:defRPr sz="1800"/>
+              <a:defRPr sz="2700"/>
             </a:lvl3pPr>
             <a:lvl4pPr>
-              <a:defRPr sz="1600"/>
+              <a:defRPr sz="2400"/>
             </a:lvl4pPr>
             <a:lvl5pPr>
-              <a:defRPr sz="1600"/>
+              <a:defRPr sz="2400"/>
             </a:lvl5pPr>
             <a:lvl6pPr>
-              <a:defRPr sz="1600"/>
+              <a:defRPr sz="2400"/>
             </a:lvl6pPr>
             <a:lvl7pPr>
-              <a:defRPr sz="1600"/>
+              <a:defRPr sz="2400"/>
             </a:lvl7pPr>
             <a:lvl8pPr>
-              <a:defRPr sz="1600"/>
+              <a:defRPr sz="2400"/>
             </a:lvl8pPr>
             <a:lvl9pPr>
-              <a:defRPr sz="1600"/>
+              <a:defRPr sz="2400"/>
             </a:lvl9pPr>
           </a:lstStyle>
           <a:p>
@@ -1731,7 +1746,8 @@
           <a:p>
             <a:fld id="{530820CF-B880-4189-942D-D702A7CBA730}" type="datetimeFigureOut">
               <a:rPr lang="zh-CN" altLang="en-US" smtClean="0"/>
-              <a:t>2006-9-7</a:t>
+              <a:pPr/>
+              <a:t>2020/5/25</a:t>
             </a:fld>
             <a:endParaRPr lang="zh-CN" altLang="en-US"/>
           </a:p>
@@ -1773,6 +1789,7 @@
           <a:p>
             <a:fld id="{0C913308-F349-4B6D-A68A-DD1791B4A57B}" type="slidenum">
               <a:rPr lang="zh-CN" altLang="en-US" smtClean="0"/>
+              <a:pPr/>
               <a:t>‹#›</a:t>
             </a:fld>
             <a:endParaRPr lang="zh-CN" altLang="en-US"/>
@@ -1844,7 +1861,8 @@
           <a:p>
             <a:fld id="{530820CF-B880-4189-942D-D702A7CBA730}" type="datetimeFigureOut">
               <a:rPr lang="zh-CN" altLang="en-US" smtClean="0"/>
-              <a:t>2006-9-7</a:t>
+              <a:pPr/>
+              <a:t>2020/5/25</a:t>
             </a:fld>
             <a:endParaRPr lang="zh-CN" altLang="en-US"/>
           </a:p>
@@ -1886,6 +1904,7 @@
           <a:p>
             <a:fld id="{0C913308-F349-4B6D-A68A-DD1791B4A57B}" type="slidenum">
               <a:rPr lang="zh-CN" altLang="en-US" smtClean="0"/>
+              <a:pPr/>
               <a:t>‹#›</a:t>
             </a:fld>
             <a:endParaRPr lang="zh-CN" altLang="en-US"/>
@@ -1934,7 +1953,8 @@
           <a:p>
             <a:fld id="{530820CF-B880-4189-942D-D702A7CBA730}" type="datetimeFigureOut">
               <a:rPr lang="zh-CN" altLang="en-US" smtClean="0"/>
-              <a:t>2006-9-7</a:t>
+              <a:pPr/>
+              <a:t>2020/5/25</a:t>
             </a:fld>
             <a:endParaRPr lang="zh-CN" altLang="en-US"/>
           </a:p>
@@ -1976,6 +1996,7 @@
           <a:p>
             <a:fld id="{0C913308-F349-4B6D-A68A-DD1791B4A57B}" type="slidenum">
               <a:rPr lang="zh-CN" altLang="en-US" smtClean="0"/>
+              <a:pPr/>
               <a:t>‹#›</a:t>
             </a:fld>
             <a:endParaRPr lang="zh-CN" altLang="en-US"/>
@@ -2019,15 +2040,15 @@
         </p:nvSpPr>
         <p:spPr>
           <a:xfrm>
-            <a:off x="457200" y="273050"/>
-            <a:ext cx="3008313" cy="1162050"/>
+            <a:off x="504032" y="544710"/>
+            <a:ext cx="3316456" cy="2318182"/>
           </a:xfrm>
         </p:spPr>
         <p:txBody>
           <a:bodyPr anchor="b"/>
           <a:lstStyle>
             <a:lvl1pPr algn="l">
-              <a:defRPr sz="2000" b="1"/>
+              <a:defRPr sz="3000" b="1"/>
             </a:lvl1pPr>
           </a:lstStyle>
           <a:p>
@@ -2051,39 +2072,39 @@
         </p:nvSpPr>
         <p:spPr>
           <a:xfrm>
-            <a:off x="3575050" y="273050"/>
-            <a:ext cx="5111750" cy="5853113"/>
+            <a:off x="3941245" y="544711"/>
+            <a:ext cx="5635349" cy="11676418"/>
           </a:xfrm>
         </p:spPr>
         <p:txBody>
           <a:bodyPr/>
           <a:lstStyle>
             <a:lvl1pPr>
-              <a:defRPr sz="3200"/>
+              <a:defRPr sz="4800"/>
             </a:lvl1pPr>
             <a:lvl2pPr>
-              <a:defRPr sz="2800"/>
+              <a:defRPr sz="4200"/>
             </a:lvl2pPr>
             <a:lvl3pPr>
-              <a:defRPr sz="2400"/>
+              <a:defRPr sz="3600"/>
             </a:lvl3pPr>
             <a:lvl4pPr>
-              <a:defRPr sz="2000"/>
+              <a:defRPr sz="3000"/>
             </a:lvl4pPr>
             <a:lvl5pPr>
-              <a:defRPr sz="2000"/>
+              <a:defRPr sz="3000"/>
             </a:lvl5pPr>
             <a:lvl6pPr>
-              <a:defRPr sz="2000"/>
+              <a:defRPr sz="3000"/>
             </a:lvl6pPr>
             <a:lvl7pPr>
-              <a:defRPr sz="2000"/>
+              <a:defRPr sz="3000"/>
             </a:lvl7pPr>
             <a:lvl8pPr>
-              <a:defRPr sz="2000"/>
+              <a:defRPr sz="3000"/>
             </a:lvl8pPr>
             <a:lvl9pPr>
-              <a:defRPr sz="2000"/>
+              <a:defRPr sz="3000"/>
             </a:lvl9pPr>
           </a:lstStyle>
           <a:p>
@@ -2136,8 +2157,8 @@
         </p:nvSpPr>
         <p:spPr>
           <a:xfrm>
-            <a:off x="457200" y="1435100"/>
-            <a:ext cx="3008313" cy="4691063"/>
+            <a:off x="504032" y="2862893"/>
+            <a:ext cx="3316456" cy="9358236"/>
           </a:xfrm>
         </p:spPr>
         <p:txBody>
@@ -2145,39 +2166,39 @@
           <a:lstStyle>
             <a:lvl1pPr marL="0" indent="0">
               <a:buNone/>
-              <a:defRPr sz="1400"/>
+              <a:defRPr sz="2100"/>
             </a:lvl1pPr>
-            <a:lvl2pPr marL="457200" indent="0">
-              <a:buNone/>
-              <a:defRPr sz="1200"/>
+            <a:lvl2pPr marL="678896" indent="0">
+              <a:buNone/>
+              <a:defRPr sz="1800"/>
             </a:lvl2pPr>
-            <a:lvl3pPr marL="914400" indent="0">
-              <a:buNone/>
-              <a:defRPr sz="1000"/>
+            <a:lvl3pPr marL="1357793" indent="0">
+              <a:buNone/>
+              <a:defRPr sz="1500"/>
             </a:lvl3pPr>
-            <a:lvl4pPr marL="1371600" indent="0">
-              <a:buNone/>
-              <a:defRPr sz="900"/>
+            <a:lvl4pPr marL="2036689" indent="0">
+              <a:buNone/>
+              <a:defRPr sz="1300"/>
             </a:lvl4pPr>
-            <a:lvl5pPr marL="1828800" indent="0">
-              <a:buNone/>
-              <a:defRPr sz="900"/>
+            <a:lvl5pPr marL="2715585" indent="0">
+              <a:buNone/>
+              <a:defRPr sz="1300"/>
             </a:lvl5pPr>
-            <a:lvl6pPr marL="2286000" indent="0">
-              <a:buNone/>
-              <a:defRPr sz="900"/>
+            <a:lvl6pPr marL="3394481" indent="0">
+              <a:buNone/>
+              <a:defRPr sz="1300"/>
             </a:lvl6pPr>
-            <a:lvl7pPr marL="2743200" indent="0">
-              <a:buNone/>
-              <a:defRPr sz="900"/>
+            <a:lvl7pPr marL="4073378" indent="0">
+              <a:buNone/>
+              <a:defRPr sz="1300"/>
             </a:lvl7pPr>
-            <a:lvl8pPr marL="3200400" indent="0">
-              <a:buNone/>
-              <a:defRPr sz="900"/>
+            <a:lvl8pPr marL="4752274" indent="0">
+              <a:buNone/>
+              <a:defRPr sz="1300"/>
             </a:lvl8pPr>
-            <a:lvl9pPr marL="3657600" indent="0">
-              <a:buNone/>
-              <a:defRPr sz="900"/>
+            <a:lvl9pPr marL="5431170" indent="0">
+              <a:buNone/>
+              <a:defRPr sz="1300"/>
             </a:lvl9pPr>
           </a:lstStyle>
           <a:p>
@@ -2206,7 +2227,8 @@
           <a:p>
             <a:fld id="{530820CF-B880-4189-942D-D702A7CBA730}" type="datetimeFigureOut">
               <a:rPr lang="zh-CN" altLang="en-US" smtClean="0"/>
-              <a:t>2006-9-7</a:t>
+              <a:pPr/>
+              <a:t>2020/5/25</a:t>
             </a:fld>
             <a:endParaRPr lang="zh-CN" altLang="en-US"/>
           </a:p>
@@ -2248,6 +2270,7 @@
           <a:p>
             <a:fld id="{0C913308-F349-4B6D-A68A-DD1791B4A57B}" type="slidenum">
               <a:rPr lang="zh-CN" altLang="en-US" smtClean="0"/>
+              <a:pPr/>
               <a:t>‹#›</a:t>
             </a:fld>
             <a:endParaRPr lang="zh-CN" altLang="en-US"/>
@@ -2291,15 +2314,15 @@
         </p:nvSpPr>
         <p:spPr>
           <a:xfrm>
-            <a:off x="1792288" y="4800600"/>
-            <a:ext cx="5486400" cy="566738"/>
+            <a:off x="1975873" y="9576752"/>
+            <a:ext cx="6048375" cy="1130590"/>
           </a:xfrm>
         </p:spPr>
         <p:txBody>
           <a:bodyPr anchor="b"/>
           <a:lstStyle>
             <a:lvl1pPr algn="l">
-              <a:defRPr sz="2000" b="1"/>
+              <a:defRPr sz="3000" b="1"/>
             </a:lvl1pPr>
           </a:lstStyle>
           <a:p>
@@ -2323,8 +2346,8 @@
         </p:nvSpPr>
         <p:spPr>
           <a:xfrm>
-            <a:off x="1792288" y="612775"/>
-            <a:ext cx="5486400" cy="4114800"/>
+            <a:off x="1975873" y="1222429"/>
+            <a:ext cx="6048375" cy="8208645"/>
           </a:xfrm>
         </p:spPr>
         <p:txBody>
@@ -2332,39 +2355,39 @@
           <a:lstStyle>
             <a:lvl1pPr marL="0" indent="0">
               <a:buNone/>
-              <a:defRPr sz="3200"/>
+              <a:defRPr sz="4800"/>
             </a:lvl1pPr>
-            <a:lvl2pPr marL="457200" indent="0">
-              <a:buNone/>
-              <a:defRPr sz="2800"/>
+            <a:lvl2pPr marL="678896" indent="0">
+              <a:buNone/>
+              <a:defRPr sz="4200"/>
             </a:lvl2pPr>
-            <a:lvl3pPr marL="914400" indent="0">
-              <a:buNone/>
-              <a:defRPr sz="2400"/>
+            <a:lvl3pPr marL="1357793" indent="0">
+              <a:buNone/>
+              <a:defRPr sz="3600"/>
             </a:lvl3pPr>
-            <a:lvl4pPr marL="1371600" indent="0">
-              <a:buNone/>
-              <a:defRPr sz="2000"/>
+            <a:lvl4pPr marL="2036689" indent="0">
+              <a:buNone/>
+              <a:defRPr sz="3000"/>
             </a:lvl4pPr>
-            <a:lvl5pPr marL="1828800" indent="0">
-              <a:buNone/>
-              <a:defRPr sz="2000"/>
+            <a:lvl5pPr marL="2715585" indent="0">
+              <a:buNone/>
+              <a:defRPr sz="3000"/>
             </a:lvl5pPr>
-            <a:lvl6pPr marL="2286000" indent="0">
-              <a:buNone/>
-              <a:defRPr sz="2000"/>
+            <a:lvl6pPr marL="3394481" indent="0">
+              <a:buNone/>
+              <a:defRPr sz="3000"/>
             </a:lvl6pPr>
-            <a:lvl7pPr marL="2743200" indent="0">
-              <a:buNone/>
-              <a:defRPr sz="2000"/>
+            <a:lvl7pPr marL="4073378" indent="0">
+              <a:buNone/>
+              <a:defRPr sz="3000"/>
             </a:lvl7pPr>
-            <a:lvl8pPr marL="3200400" indent="0">
-              <a:buNone/>
-              <a:defRPr sz="2000"/>
+            <a:lvl8pPr marL="4752274" indent="0">
+              <a:buNone/>
+              <a:defRPr sz="3000"/>
             </a:lvl8pPr>
-            <a:lvl9pPr marL="3657600" indent="0">
-              <a:buNone/>
-              <a:defRPr sz="2000"/>
+            <a:lvl9pPr marL="5431170" indent="0">
+              <a:buNone/>
+              <a:defRPr sz="3000"/>
             </a:lvl9pPr>
           </a:lstStyle>
           <a:p>
@@ -2384,8 +2407,8 @@
         </p:nvSpPr>
         <p:spPr>
           <a:xfrm>
-            <a:off x="1792288" y="5367338"/>
-            <a:ext cx="5486400" cy="804862"/>
+            <a:off x="1975873" y="10707342"/>
+            <a:ext cx="6048375" cy="1605625"/>
           </a:xfrm>
         </p:spPr>
         <p:txBody>
@@ -2393,39 +2416,39 @@
           <a:lstStyle>
             <a:lvl1pPr marL="0" indent="0">
               <a:buNone/>
-              <a:defRPr sz="1400"/>
+              <a:defRPr sz="2100"/>
             </a:lvl1pPr>
-            <a:lvl2pPr marL="457200" indent="0">
-              <a:buNone/>
-              <a:defRPr sz="1200"/>
+            <a:lvl2pPr marL="678896" indent="0">
+              <a:buNone/>
+              <a:defRPr sz="1800"/>
             </a:lvl2pPr>
-            <a:lvl3pPr marL="914400" indent="0">
-              <a:buNone/>
-              <a:defRPr sz="1000"/>
+            <a:lvl3pPr marL="1357793" indent="0">
+              <a:buNone/>
+              <a:defRPr sz="1500"/>
             </a:lvl3pPr>
-            <a:lvl4pPr marL="1371600" indent="0">
-              <a:buNone/>
-              <a:defRPr sz="900"/>
+            <a:lvl4pPr marL="2036689" indent="0">
+              <a:buNone/>
+              <a:defRPr sz="1300"/>
             </a:lvl4pPr>
-            <a:lvl5pPr marL="1828800" indent="0">
-              <a:buNone/>
-              <a:defRPr sz="900"/>
+            <a:lvl5pPr marL="2715585" indent="0">
+              <a:buNone/>
+              <a:defRPr sz="1300"/>
             </a:lvl5pPr>
-            <a:lvl6pPr marL="2286000" indent="0">
-              <a:buNone/>
-              <a:defRPr sz="900"/>
+            <a:lvl6pPr marL="3394481" indent="0">
+              <a:buNone/>
+              <a:defRPr sz="1300"/>
             </a:lvl6pPr>
-            <a:lvl7pPr marL="2743200" indent="0">
-              <a:buNone/>
-              <a:defRPr sz="900"/>
+            <a:lvl7pPr marL="4073378" indent="0">
+              <a:buNone/>
+              <a:defRPr sz="1300"/>
             </a:lvl7pPr>
-            <a:lvl8pPr marL="3200400" indent="0">
-              <a:buNone/>
-              <a:defRPr sz="900"/>
+            <a:lvl8pPr marL="4752274" indent="0">
+              <a:buNone/>
+              <a:defRPr sz="1300"/>
             </a:lvl8pPr>
-            <a:lvl9pPr marL="3657600" indent="0">
-              <a:buNone/>
-              <a:defRPr sz="900"/>
+            <a:lvl9pPr marL="5431170" indent="0">
+              <a:buNone/>
+              <a:defRPr sz="1300"/>
             </a:lvl9pPr>
           </a:lstStyle>
           <a:p>
@@ -2454,7 +2477,8 @@
           <a:p>
             <a:fld id="{530820CF-B880-4189-942D-D702A7CBA730}" type="datetimeFigureOut">
               <a:rPr lang="zh-CN" altLang="en-US" smtClean="0"/>
-              <a:t>2006-9-7</a:t>
+              <a:pPr/>
+              <a:t>2020/5/25</a:t>
             </a:fld>
             <a:endParaRPr lang="zh-CN" altLang="en-US"/>
           </a:p>
@@ -2496,6 +2520,7 @@
           <a:p>
             <a:fld id="{0C913308-F349-4B6D-A68A-DD1791B4A57B}" type="slidenum">
               <a:rPr lang="zh-CN" altLang="en-US" smtClean="0"/>
+              <a:pPr/>
               <a:t>‹#›</a:t>
             </a:fld>
             <a:endParaRPr lang="zh-CN" altLang="en-US"/>
@@ -2544,15 +2569,15 @@
         </p:nvSpPr>
         <p:spPr>
           <a:xfrm>
-            <a:off x="457200" y="274638"/>
-            <a:ext cx="8229600" cy="1143000"/>
+            <a:off x="504031" y="547877"/>
+            <a:ext cx="9072563" cy="2280179"/>
           </a:xfrm>
           <a:prstGeom prst="rect">
             <a:avLst/>
           </a:prstGeom>
         </p:spPr>
         <p:txBody>
-          <a:bodyPr vert="horz" lIns="91440" tIns="45720" rIns="91440" bIns="45720" rtlCol="0" anchor="ctr">
+          <a:bodyPr vert="horz" lIns="135779" tIns="67890" rIns="135779" bIns="67890" rtlCol="0" anchor="ctr">
             <a:normAutofit/>
           </a:bodyPr>
           <a:lstStyle/>
@@ -2577,15 +2602,15 @@
         </p:nvSpPr>
         <p:spPr>
           <a:xfrm>
-            <a:off x="457200" y="1600200"/>
-            <a:ext cx="8229600" cy="4525963"/>
+            <a:off x="504031" y="3192252"/>
+            <a:ext cx="9072563" cy="9028877"/>
           </a:xfrm>
           <a:prstGeom prst="rect">
             <a:avLst/>
           </a:prstGeom>
         </p:spPr>
         <p:txBody>
-          <a:bodyPr vert="horz" lIns="91440" tIns="45720" rIns="91440" bIns="45720" rtlCol="0">
+          <a:bodyPr vert="horz" lIns="135779" tIns="67890" rIns="135779" bIns="67890" rtlCol="0">
             <a:normAutofit/>
           </a:bodyPr>
           <a:lstStyle/>
@@ -2639,18 +2664,18 @@
         </p:nvSpPr>
         <p:spPr>
           <a:xfrm>
-            <a:off x="457200" y="6356350"/>
-            <a:ext cx="2133600" cy="365125"/>
+            <a:off x="504031" y="12680330"/>
+            <a:ext cx="2352146" cy="728391"/>
           </a:xfrm>
           <a:prstGeom prst="rect">
             <a:avLst/>
           </a:prstGeom>
         </p:spPr>
         <p:txBody>
-          <a:bodyPr vert="horz" lIns="91440" tIns="45720" rIns="91440" bIns="45720" rtlCol="0" anchor="ctr"/>
+          <a:bodyPr vert="horz" lIns="135779" tIns="67890" rIns="135779" bIns="67890" rtlCol="0" anchor="ctr"/>
           <a:lstStyle>
             <a:lvl1pPr algn="l">
-              <a:defRPr sz="1200">
+              <a:defRPr sz="1800">
                 <a:solidFill>
                   <a:schemeClr val="tx1">
                     <a:tint val="75000"/>
@@ -2662,7 +2687,8 @@
           <a:p>
             <a:fld id="{530820CF-B880-4189-942D-D702A7CBA730}" type="datetimeFigureOut">
               <a:rPr lang="zh-CN" altLang="en-US" smtClean="0"/>
-              <a:t>2006-9-7</a:t>
+              <a:pPr/>
+              <a:t>2020/5/25</a:t>
             </a:fld>
             <a:endParaRPr lang="zh-CN" altLang="en-US"/>
           </a:p>
@@ -2680,18 +2706,18 @@
         </p:nvSpPr>
         <p:spPr>
           <a:xfrm>
-            <a:off x="3124200" y="6356350"/>
-            <a:ext cx="2895600" cy="365125"/>
+            <a:off x="3444214" y="12680330"/>
+            <a:ext cx="3192198" cy="728391"/>
           </a:xfrm>
           <a:prstGeom prst="rect">
             <a:avLst/>
           </a:prstGeom>
         </p:spPr>
         <p:txBody>
-          <a:bodyPr vert="horz" lIns="91440" tIns="45720" rIns="91440" bIns="45720" rtlCol="0" anchor="ctr"/>
+          <a:bodyPr vert="horz" lIns="135779" tIns="67890" rIns="135779" bIns="67890" rtlCol="0" anchor="ctr"/>
           <a:lstStyle>
             <a:lvl1pPr algn="ctr">
-              <a:defRPr sz="1200">
+              <a:defRPr sz="1800">
                 <a:solidFill>
                   <a:schemeClr val="tx1">
                     <a:tint val="75000"/>
@@ -2717,18 +2743,18 @@
         </p:nvSpPr>
         <p:spPr>
           <a:xfrm>
-            <a:off x="6553200" y="6356350"/>
-            <a:ext cx="2133600" cy="365125"/>
+            <a:off x="7224448" y="12680330"/>
+            <a:ext cx="2352146" cy="728391"/>
           </a:xfrm>
           <a:prstGeom prst="rect">
             <a:avLst/>
           </a:prstGeom>
         </p:spPr>
         <p:txBody>
-          <a:bodyPr vert="horz" lIns="91440" tIns="45720" rIns="91440" bIns="45720" rtlCol="0" anchor="ctr"/>
+          <a:bodyPr vert="horz" lIns="135779" tIns="67890" rIns="135779" bIns="67890" rtlCol="0" anchor="ctr"/>
           <a:lstStyle>
             <a:lvl1pPr algn="r">
-              <a:defRPr sz="1200">
+              <a:defRPr sz="1800">
                 <a:solidFill>
                   <a:schemeClr val="tx1">
                     <a:tint val="75000"/>
@@ -2740,6 +2766,7 @@
           <a:p>
             <a:fld id="{0C913308-F349-4B6D-A68A-DD1791B4A57B}" type="slidenum">
               <a:rPr lang="zh-CN" altLang="en-US" smtClean="0"/>
+              <a:pPr/>
               <a:t>‹#›</a:t>
             </a:fld>
             <a:endParaRPr lang="zh-CN" altLang="en-US"/>
@@ -2764,12 +2791,12 @@
   </p:sldLayoutIdLst>
   <p:txStyles>
     <p:titleStyle>
-      <a:lvl1pPr algn="ctr" defTabSz="914400" rtl="0" eaLnBrk="1" latinLnBrk="0" hangingPunct="1">
+      <a:lvl1pPr algn="ctr" defTabSz="1357793" rtl="0" eaLnBrk="1" latinLnBrk="0" hangingPunct="1">
         <a:spcBef>
           <a:spcPct val="0"/>
         </a:spcBef>
         <a:buNone/>
-        <a:defRPr sz="4400" kern="1200">
+        <a:defRPr sz="6500" kern="1200">
           <a:solidFill>
             <a:schemeClr val="tx1"/>
           </a:solidFill>
@@ -2780,13 +2807,13 @@
       </a:lvl1pPr>
     </p:titleStyle>
     <p:bodyStyle>
-      <a:lvl1pPr marL="342900" indent="-342900" algn="l" defTabSz="914400" rtl="0" eaLnBrk="1" latinLnBrk="0" hangingPunct="1">
+      <a:lvl1pPr marL="509172" indent="-509172" algn="l" defTabSz="1357793" rtl="0" eaLnBrk="1" latinLnBrk="0" hangingPunct="1">
         <a:spcBef>
           <a:spcPct val="20000"/>
         </a:spcBef>
         <a:buFont typeface="Arial" pitchFamily="34" charset="0"/>
         <a:buChar char="•"/>
-        <a:defRPr sz="3200" kern="1200">
+        <a:defRPr sz="4800" kern="1200">
           <a:solidFill>
             <a:schemeClr val="tx1"/>
           </a:solidFill>
@@ -2795,13 +2822,13 @@
           <a:cs typeface="+mn-cs"/>
         </a:defRPr>
       </a:lvl1pPr>
-      <a:lvl2pPr marL="742950" indent="-285750" algn="l" defTabSz="914400" rtl="0" eaLnBrk="1" latinLnBrk="0" hangingPunct="1">
+      <a:lvl2pPr marL="1103206" indent="-424310" algn="l" defTabSz="1357793" rtl="0" eaLnBrk="1" latinLnBrk="0" hangingPunct="1">
         <a:spcBef>
           <a:spcPct val="20000"/>
         </a:spcBef>
         <a:buFont typeface="Arial" pitchFamily="34" charset="0"/>
         <a:buChar char="–"/>
-        <a:defRPr sz="2800" kern="1200">
+        <a:defRPr sz="4200" kern="1200">
           <a:solidFill>
             <a:schemeClr val="tx1"/>
           </a:solidFill>
@@ -2810,13 +2837,13 @@
           <a:cs typeface="+mn-cs"/>
         </a:defRPr>
       </a:lvl2pPr>
-      <a:lvl3pPr marL="1143000" indent="-228600" algn="l" defTabSz="914400" rtl="0" eaLnBrk="1" latinLnBrk="0" hangingPunct="1">
+      <a:lvl3pPr marL="1697241" indent="-339448" algn="l" defTabSz="1357793" rtl="0" eaLnBrk="1" latinLnBrk="0" hangingPunct="1">
         <a:spcBef>
           <a:spcPct val="20000"/>
         </a:spcBef>
         <a:buFont typeface="Arial" pitchFamily="34" charset="0"/>
         <a:buChar char="•"/>
-        <a:defRPr sz="2400" kern="1200">
+        <a:defRPr sz="3600" kern="1200">
           <a:solidFill>
             <a:schemeClr val="tx1"/>
           </a:solidFill>
@@ -2825,13 +2852,13 @@
           <a:cs typeface="+mn-cs"/>
         </a:defRPr>
       </a:lvl3pPr>
-      <a:lvl4pPr marL="1600200" indent="-228600" algn="l" defTabSz="914400" rtl="0" eaLnBrk="1" latinLnBrk="0" hangingPunct="1">
+      <a:lvl4pPr marL="2376137" indent="-339448" algn="l" defTabSz="1357793" rtl="0" eaLnBrk="1" latinLnBrk="0" hangingPunct="1">
         <a:spcBef>
           <a:spcPct val="20000"/>
         </a:spcBef>
         <a:buFont typeface="Arial" pitchFamily="34" charset="0"/>
         <a:buChar char="–"/>
-        <a:defRPr sz="2000" kern="1200">
+        <a:defRPr sz="3000" kern="1200">
           <a:solidFill>
             <a:schemeClr val="tx1"/>
           </a:solidFill>
@@ -2840,13 +2867,13 @@
           <a:cs typeface="+mn-cs"/>
         </a:defRPr>
       </a:lvl4pPr>
-      <a:lvl5pPr marL="2057400" indent="-228600" algn="l" defTabSz="914400" rtl="0" eaLnBrk="1" latinLnBrk="0" hangingPunct="1">
+      <a:lvl5pPr marL="3055033" indent="-339448" algn="l" defTabSz="1357793" rtl="0" eaLnBrk="1" latinLnBrk="0" hangingPunct="1">
         <a:spcBef>
           <a:spcPct val="20000"/>
         </a:spcBef>
         <a:buFont typeface="Arial" pitchFamily="34" charset="0"/>
         <a:buChar char="»"/>
-        <a:defRPr sz="2000" kern="1200">
+        <a:defRPr sz="3000" kern="1200">
           <a:solidFill>
             <a:schemeClr val="tx1"/>
           </a:solidFill>
@@ -2855,13 +2882,13 @@
           <a:cs typeface="+mn-cs"/>
         </a:defRPr>
       </a:lvl5pPr>
-      <a:lvl6pPr marL="2514600" indent="-228600" algn="l" defTabSz="914400" rtl="0" eaLnBrk="1" latinLnBrk="0" hangingPunct="1">
+      <a:lvl6pPr marL="3733930" indent="-339448" algn="l" defTabSz="1357793" rtl="0" eaLnBrk="1" latinLnBrk="0" hangingPunct="1">
         <a:spcBef>
           <a:spcPct val="20000"/>
         </a:spcBef>
         <a:buFont typeface="Arial" pitchFamily="34" charset="0"/>
         <a:buChar char="•"/>
-        <a:defRPr sz="2000" kern="1200">
+        <a:defRPr sz="3000" kern="1200">
           <a:solidFill>
             <a:schemeClr val="tx1"/>
           </a:solidFill>
@@ -2870,13 +2897,13 @@
           <a:cs typeface="+mn-cs"/>
         </a:defRPr>
       </a:lvl6pPr>
-      <a:lvl7pPr marL="2971800" indent="-228600" algn="l" defTabSz="914400" rtl="0" eaLnBrk="1" latinLnBrk="0" hangingPunct="1">
+      <a:lvl7pPr marL="4412826" indent="-339448" algn="l" defTabSz="1357793" rtl="0" eaLnBrk="1" latinLnBrk="0" hangingPunct="1">
         <a:spcBef>
           <a:spcPct val="20000"/>
         </a:spcBef>
         <a:buFont typeface="Arial" pitchFamily="34" charset="0"/>
         <a:buChar char="•"/>
-        <a:defRPr sz="2000" kern="1200">
+        <a:defRPr sz="3000" kern="1200">
           <a:solidFill>
             <a:schemeClr val="tx1"/>
           </a:solidFill>
@@ -2885,13 +2912,13 @@
           <a:cs typeface="+mn-cs"/>
         </a:defRPr>
       </a:lvl7pPr>
-      <a:lvl8pPr marL="3429000" indent="-228600" algn="l" defTabSz="914400" rtl="0" eaLnBrk="1" latinLnBrk="0" hangingPunct="1">
+      <a:lvl8pPr marL="5091722" indent="-339448" algn="l" defTabSz="1357793" rtl="0" eaLnBrk="1" latinLnBrk="0" hangingPunct="1">
         <a:spcBef>
           <a:spcPct val="20000"/>
         </a:spcBef>
         <a:buFont typeface="Arial" pitchFamily="34" charset="0"/>
         <a:buChar char="•"/>
-        <a:defRPr sz="2000" kern="1200">
+        <a:defRPr sz="3000" kern="1200">
           <a:solidFill>
             <a:schemeClr val="tx1"/>
           </a:solidFill>
@@ -2900,13 +2927,13 @@
           <a:cs typeface="+mn-cs"/>
         </a:defRPr>
       </a:lvl8pPr>
-      <a:lvl9pPr marL="3886200" indent="-228600" algn="l" defTabSz="914400" rtl="0" eaLnBrk="1" latinLnBrk="0" hangingPunct="1">
+      <a:lvl9pPr marL="5770618" indent="-339448" algn="l" defTabSz="1357793" rtl="0" eaLnBrk="1" latinLnBrk="0" hangingPunct="1">
         <a:spcBef>
           <a:spcPct val="20000"/>
         </a:spcBef>
         <a:buFont typeface="Arial" pitchFamily="34" charset="0"/>
         <a:buChar char="•"/>
-        <a:defRPr sz="2000" kern="1200">
+        <a:defRPr sz="3000" kern="1200">
           <a:solidFill>
             <a:schemeClr val="tx1"/>
           </a:solidFill>
@@ -2920,8 +2947,8 @@
       <a:defPPr>
         <a:defRPr lang="zh-CN"/>
       </a:defPPr>
-      <a:lvl1pPr marL="0" algn="l" defTabSz="914400" rtl="0" eaLnBrk="1" latinLnBrk="0" hangingPunct="1">
-        <a:defRPr sz="1800" kern="1200">
+      <a:lvl1pPr marL="0" algn="l" defTabSz="1357793" rtl="0" eaLnBrk="1" latinLnBrk="0" hangingPunct="1">
+        <a:defRPr sz="2700" kern="1200">
           <a:solidFill>
             <a:schemeClr val="tx1"/>
           </a:solidFill>
@@ -2930,8 +2957,8 @@
           <a:cs typeface="+mn-cs"/>
         </a:defRPr>
       </a:lvl1pPr>
-      <a:lvl2pPr marL="457200" algn="l" defTabSz="914400" rtl="0" eaLnBrk="1" latinLnBrk="0" hangingPunct="1">
-        <a:defRPr sz="1800" kern="1200">
+      <a:lvl2pPr marL="678896" algn="l" defTabSz="1357793" rtl="0" eaLnBrk="1" latinLnBrk="0" hangingPunct="1">
+        <a:defRPr sz="2700" kern="1200">
           <a:solidFill>
             <a:schemeClr val="tx1"/>
           </a:solidFill>
@@ -2940,8 +2967,8 @@
           <a:cs typeface="+mn-cs"/>
         </a:defRPr>
       </a:lvl2pPr>
-      <a:lvl3pPr marL="914400" algn="l" defTabSz="914400" rtl="0" eaLnBrk="1" latinLnBrk="0" hangingPunct="1">
-        <a:defRPr sz="1800" kern="1200">
+      <a:lvl3pPr marL="1357793" algn="l" defTabSz="1357793" rtl="0" eaLnBrk="1" latinLnBrk="0" hangingPunct="1">
+        <a:defRPr sz="2700" kern="1200">
           <a:solidFill>
             <a:schemeClr val="tx1"/>
           </a:solidFill>
@@ -2950,8 +2977,8 @@
           <a:cs typeface="+mn-cs"/>
         </a:defRPr>
       </a:lvl3pPr>
-      <a:lvl4pPr marL="1371600" algn="l" defTabSz="914400" rtl="0" eaLnBrk="1" latinLnBrk="0" hangingPunct="1">
-        <a:defRPr sz="1800" kern="1200">
+      <a:lvl4pPr marL="2036689" algn="l" defTabSz="1357793" rtl="0" eaLnBrk="1" latinLnBrk="0" hangingPunct="1">
+        <a:defRPr sz="2700" kern="1200">
           <a:solidFill>
             <a:schemeClr val="tx1"/>
           </a:solidFill>
@@ -2960,8 +2987,8 @@
           <a:cs typeface="+mn-cs"/>
         </a:defRPr>
       </a:lvl4pPr>
-      <a:lvl5pPr marL="1828800" algn="l" defTabSz="914400" rtl="0" eaLnBrk="1" latinLnBrk="0" hangingPunct="1">
-        <a:defRPr sz="1800" kern="1200">
+      <a:lvl5pPr marL="2715585" algn="l" defTabSz="1357793" rtl="0" eaLnBrk="1" latinLnBrk="0" hangingPunct="1">
+        <a:defRPr sz="2700" kern="1200">
           <a:solidFill>
             <a:schemeClr val="tx1"/>
           </a:solidFill>
@@ -2970,8 +2997,8 @@
           <a:cs typeface="+mn-cs"/>
         </a:defRPr>
       </a:lvl5pPr>
-      <a:lvl6pPr marL="2286000" algn="l" defTabSz="914400" rtl="0" eaLnBrk="1" latinLnBrk="0" hangingPunct="1">
-        <a:defRPr sz="1800" kern="1200">
+      <a:lvl6pPr marL="3394481" algn="l" defTabSz="1357793" rtl="0" eaLnBrk="1" latinLnBrk="0" hangingPunct="1">
+        <a:defRPr sz="2700" kern="1200">
           <a:solidFill>
             <a:schemeClr val="tx1"/>
           </a:solidFill>
@@ -2980,8 +3007,8 @@
           <a:cs typeface="+mn-cs"/>
         </a:defRPr>
       </a:lvl6pPr>
-      <a:lvl7pPr marL="2743200" algn="l" defTabSz="914400" rtl="0" eaLnBrk="1" latinLnBrk="0" hangingPunct="1">
-        <a:defRPr sz="1800" kern="1200">
+      <a:lvl7pPr marL="4073378" algn="l" defTabSz="1357793" rtl="0" eaLnBrk="1" latinLnBrk="0" hangingPunct="1">
+        <a:defRPr sz="2700" kern="1200">
           <a:solidFill>
             <a:schemeClr val="tx1"/>
           </a:solidFill>
@@ -2990,8 +3017,8 @@
           <a:cs typeface="+mn-cs"/>
         </a:defRPr>
       </a:lvl7pPr>
-      <a:lvl8pPr marL="3200400" algn="l" defTabSz="914400" rtl="0" eaLnBrk="1" latinLnBrk="0" hangingPunct="1">
-        <a:defRPr sz="1800" kern="1200">
+      <a:lvl8pPr marL="4752274" algn="l" defTabSz="1357793" rtl="0" eaLnBrk="1" latinLnBrk="0" hangingPunct="1">
+        <a:defRPr sz="2700" kern="1200">
           <a:solidFill>
             <a:schemeClr val="tx1"/>
           </a:solidFill>
@@ -3000,8 +3027,8 @@
           <a:cs typeface="+mn-cs"/>
         </a:defRPr>
       </a:lvl8pPr>
-      <a:lvl9pPr marL="3657600" algn="l" defTabSz="914400" rtl="0" eaLnBrk="1" latinLnBrk="0" hangingPunct="1">
-        <a:defRPr sz="1800" kern="1200">
+      <a:lvl9pPr marL="5431170" algn="l" defTabSz="1357793" rtl="0" eaLnBrk="1" latinLnBrk="0" hangingPunct="1">
+        <a:defRPr sz="2700" kern="1200">
           <a:solidFill>
             <a:schemeClr val="tx1"/>
           </a:solidFill>
@@ -3015,6 +3042,702 @@
 </p:sldMaster>
 </file>
 
+<file path=ppt/slides/slide1.xml><?xml version="1.0" encoding="utf-8"?>
+<p:sld xmlns:a="http://schemas.openxmlformats.org/drawingml/2006/main" xmlns:r="http://schemas.openxmlformats.org/officeDocument/2006/relationships" xmlns:p="http://schemas.openxmlformats.org/presentationml/2006/main">
+  <p:cSld>
+    <p:spTree>
+      <p:nvGrpSpPr>
+        <p:cNvPr id="1" name=""/>
+        <p:cNvGrpSpPr/>
+        <p:nvPr/>
+      </p:nvGrpSpPr>
+      <p:grpSpPr>
+        <a:xfrm>
+          <a:off x="0" y="0"/>
+          <a:ext cx="0" cy="0"/>
+          <a:chOff x="0" y="0"/>
+          <a:chExt cx="0" cy="0"/>
+        </a:xfrm>
+      </p:grpSpPr>
+      <p:pic>
+        <p:nvPicPr>
+          <p:cNvPr id="28" name="Picture 2" descr="F:\Report\FaceProject\results\FaceSketcher\exp0013_base_S\test_latest\images\00000064_sketch.png"/>
+          <p:cNvPicPr>
+            <a:picLocks noChangeAspect="1" noChangeArrowheads="1"/>
+          </p:cNvPicPr>
+          <p:nvPr/>
+        </p:nvPicPr>
+        <p:blipFill>
+          <a:blip r:embed="rId2" cstate="print"/>
+          <a:srcRect/>
+          <a:stretch>
+            <a:fillRect/>
+          </a:stretch>
+        </p:blipFill>
+        <p:spPr bwMode="auto">
+          <a:xfrm>
+            <a:off x="9377" y="143793"/>
+            <a:ext cx="2438400" cy="2438400"/>
+          </a:xfrm>
+          <a:prstGeom prst="rect">
+            <a:avLst/>
+          </a:prstGeom>
+          <a:noFill/>
+        </p:spPr>
+      </p:pic>
+      <p:pic>
+        <p:nvPicPr>
+          <p:cNvPr id="29" name="Picture 4" descr="F:\Report\FaceProject\results\FaceSketcher\exp0013_base_S\test_latest\images\00000064_synthesized.png"/>
+          <p:cNvPicPr>
+            <a:picLocks noChangeAspect="1" noChangeArrowheads="1"/>
+          </p:cNvPicPr>
+          <p:nvPr/>
+        </p:nvPicPr>
+        <p:blipFill>
+          <a:blip r:embed="rId3" cstate="print"/>
+          <a:srcRect/>
+          <a:stretch>
+            <a:fillRect/>
+          </a:stretch>
+        </p:blipFill>
+        <p:spPr bwMode="auto">
+          <a:xfrm>
+            <a:off x="7642225" y="143793"/>
+            <a:ext cx="2438400" cy="2438400"/>
+          </a:xfrm>
+          <a:prstGeom prst="rect">
+            <a:avLst/>
+          </a:prstGeom>
+          <a:noFill/>
+        </p:spPr>
+      </p:pic>
+      <p:pic>
+        <p:nvPicPr>
+          <p:cNvPr id="30" name="Picture 6" descr="F:\Report\FaceProject\results\FaceSketcher\exp0011_baseline\test_latest\images\00000064_synthesized.png"/>
+          <p:cNvPicPr>
+            <a:picLocks noChangeAspect="1" noChangeArrowheads="1"/>
+          </p:cNvPicPr>
+          <p:nvPr/>
+        </p:nvPicPr>
+        <p:blipFill>
+          <a:blip r:embed="rId4" cstate="print"/>
+          <a:srcRect/>
+          <a:stretch>
+            <a:fillRect/>
+          </a:stretch>
+        </p:blipFill>
+        <p:spPr bwMode="auto">
+          <a:xfrm>
+            <a:off x="2553660" y="143793"/>
+            <a:ext cx="2438400" cy="2438400"/>
+          </a:xfrm>
+          <a:prstGeom prst="rect">
+            <a:avLst/>
+          </a:prstGeom>
+          <a:noFill/>
+        </p:spPr>
+      </p:pic>
+      <p:pic>
+        <p:nvPicPr>
+          <p:cNvPr id="31" name="Picture 8" descr="F:\Report\FaceProject\results\FaceSketcher\exp0011_baseline_deform\test_latest\images\00000064_synthesized.png"/>
+          <p:cNvPicPr>
+            <a:picLocks noChangeAspect="1" noChangeArrowheads="1"/>
+          </p:cNvPicPr>
+          <p:nvPr/>
+        </p:nvPicPr>
+        <p:blipFill>
+          <a:blip r:embed="rId5" cstate="print"/>
+          <a:srcRect/>
+          <a:stretch>
+            <a:fillRect/>
+          </a:stretch>
+        </p:blipFill>
+        <p:spPr bwMode="auto">
+          <a:xfrm>
+            <a:off x="5097943" y="143793"/>
+            <a:ext cx="2438400" cy="2438400"/>
+          </a:xfrm>
+          <a:prstGeom prst="rect">
+            <a:avLst/>
+          </a:prstGeom>
+          <a:noFill/>
+        </p:spPr>
+      </p:pic>
+      <p:pic>
+        <p:nvPicPr>
+          <p:cNvPr id="32" name="Picture 10" descr="F:\Report\FaceProject\results\FaceSketcher\exp0013_base_S\test_latest\images\00014859_sketch.png"/>
+          <p:cNvPicPr>
+            <a:picLocks noChangeAspect="1" noChangeArrowheads="1"/>
+          </p:cNvPicPr>
+          <p:nvPr/>
+        </p:nvPicPr>
+        <p:blipFill>
+          <a:blip r:embed="rId6" cstate="print"/>
+          <a:srcRect/>
+          <a:stretch>
+            <a:fillRect/>
+          </a:stretch>
+        </p:blipFill>
+        <p:spPr bwMode="auto">
+          <a:xfrm>
+            <a:off x="9377" y="2747237"/>
+            <a:ext cx="2438400" cy="2438400"/>
+          </a:xfrm>
+          <a:prstGeom prst="rect">
+            <a:avLst/>
+          </a:prstGeom>
+          <a:noFill/>
+        </p:spPr>
+      </p:pic>
+      <p:pic>
+        <p:nvPicPr>
+          <p:cNvPr id="33" name="Picture 12" descr="F:\Report\FaceProject\results\FaceSketcher\exp0013_base_S\test_latest\images\00014859_synthesized.png"/>
+          <p:cNvPicPr>
+            <a:picLocks noChangeAspect="1" noChangeArrowheads="1"/>
+          </p:cNvPicPr>
+          <p:nvPr/>
+        </p:nvPicPr>
+        <p:blipFill>
+          <a:blip r:embed="rId7" cstate="print"/>
+          <a:srcRect/>
+          <a:stretch>
+            <a:fillRect/>
+          </a:stretch>
+        </p:blipFill>
+        <p:spPr bwMode="auto">
+          <a:xfrm>
+            <a:off x="7642225" y="2747237"/>
+            <a:ext cx="2438400" cy="2438400"/>
+          </a:xfrm>
+          <a:prstGeom prst="rect">
+            <a:avLst/>
+          </a:prstGeom>
+          <a:noFill/>
+        </p:spPr>
+      </p:pic>
+      <p:pic>
+        <p:nvPicPr>
+          <p:cNvPr id="34" name="Picture 14" descr="F:\Report\FaceProject\results\FaceSketcher\exp0011_baseline\test_latest\images\00014859_synthesized.png"/>
+          <p:cNvPicPr>
+            <a:picLocks noChangeAspect="1" noChangeArrowheads="1"/>
+          </p:cNvPicPr>
+          <p:nvPr/>
+        </p:nvPicPr>
+        <p:blipFill>
+          <a:blip r:embed="rId8" cstate="print"/>
+          <a:srcRect/>
+          <a:stretch>
+            <a:fillRect/>
+          </a:stretch>
+        </p:blipFill>
+        <p:spPr bwMode="auto">
+          <a:xfrm>
+            <a:off x="2553660" y="2747237"/>
+            <a:ext cx="2438400" cy="2438400"/>
+          </a:xfrm>
+          <a:prstGeom prst="rect">
+            <a:avLst/>
+          </a:prstGeom>
+          <a:noFill/>
+        </p:spPr>
+      </p:pic>
+      <p:pic>
+        <p:nvPicPr>
+          <p:cNvPr id="35" name="Picture 18" descr="F:\Report\FaceProject\results\FaceSketcher\exp0011_baseline_deform\test_latest\images\00014859_synthesized.png"/>
+          <p:cNvPicPr>
+            <a:picLocks noChangeAspect="1" noChangeArrowheads="1"/>
+          </p:cNvPicPr>
+          <p:nvPr/>
+        </p:nvPicPr>
+        <p:blipFill>
+          <a:blip r:embed="rId9" cstate="print"/>
+          <a:srcRect/>
+          <a:stretch>
+            <a:fillRect/>
+          </a:stretch>
+        </p:blipFill>
+        <p:spPr bwMode="auto">
+          <a:xfrm>
+            <a:off x="5097943" y="2747237"/>
+            <a:ext cx="2438400" cy="2438400"/>
+          </a:xfrm>
+          <a:prstGeom prst="rect">
+            <a:avLst/>
+          </a:prstGeom>
+          <a:noFill/>
+        </p:spPr>
+      </p:pic>
+      <p:pic>
+        <p:nvPicPr>
+          <p:cNvPr id="36" name="Picture 20" descr="F:\Report\FaceProject\results\FaceSketcher\exp0013_base_S\test_latest\images\00015036_sketch.png"/>
+          <p:cNvPicPr>
+            <a:picLocks noChangeAspect="1" noChangeArrowheads="1"/>
+          </p:cNvPicPr>
+          <p:nvPr/>
+        </p:nvPicPr>
+        <p:blipFill>
+          <a:blip r:embed="rId10" cstate="print"/>
+          <a:srcRect/>
+          <a:stretch>
+            <a:fillRect/>
+          </a:stretch>
+        </p:blipFill>
+        <p:spPr bwMode="auto">
+          <a:xfrm>
+            <a:off x="9377" y="5350681"/>
+            <a:ext cx="2438400" cy="2438400"/>
+          </a:xfrm>
+          <a:prstGeom prst="rect">
+            <a:avLst/>
+          </a:prstGeom>
+          <a:noFill/>
+        </p:spPr>
+      </p:pic>
+      <p:pic>
+        <p:nvPicPr>
+          <p:cNvPr id="37" name="Picture 22" descr="F:\Report\FaceProject\results\FaceSketcher\exp0013_base_S\test_latest\images\00015036_synthesized.png"/>
+          <p:cNvPicPr>
+            <a:picLocks noChangeAspect="1" noChangeArrowheads="1"/>
+          </p:cNvPicPr>
+          <p:nvPr/>
+        </p:nvPicPr>
+        <p:blipFill>
+          <a:blip r:embed="rId11" cstate="print"/>
+          <a:srcRect/>
+          <a:stretch>
+            <a:fillRect/>
+          </a:stretch>
+        </p:blipFill>
+        <p:spPr bwMode="auto">
+          <a:xfrm>
+            <a:off x="7642225" y="5350681"/>
+            <a:ext cx="2438400" cy="2438400"/>
+          </a:xfrm>
+          <a:prstGeom prst="rect">
+            <a:avLst/>
+          </a:prstGeom>
+          <a:noFill/>
+        </p:spPr>
+      </p:pic>
+      <p:pic>
+        <p:nvPicPr>
+          <p:cNvPr id="38" name="Picture 24" descr="F:\Report\FaceProject\results\FaceSketcher\exp0011_baseline\test_latest\images\00015036_synthesized.png"/>
+          <p:cNvPicPr>
+            <a:picLocks noChangeAspect="1" noChangeArrowheads="1"/>
+          </p:cNvPicPr>
+          <p:nvPr/>
+        </p:nvPicPr>
+        <p:blipFill>
+          <a:blip r:embed="rId12" cstate="print"/>
+          <a:srcRect/>
+          <a:stretch>
+            <a:fillRect/>
+          </a:stretch>
+        </p:blipFill>
+        <p:spPr bwMode="auto">
+          <a:xfrm>
+            <a:off x="2553660" y="5350681"/>
+            <a:ext cx="2438400" cy="2438400"/>
+          </a:xfrm>
+          <a:prstGeom prst="rect">
+            <a:avLst/>
+          </a:prstGeom>
+          <a:noFill/>
+        </p:spPr>
+      </p:pic>
+      <p:pic>
+        <p:nvPicPr>
+          <p:cNvPr id="39" name="Picture 26" descr="F:\Report\FaceProject\results\FaceSketcher\exp0011_baseline_deform\test_latest\images\00015036_synthesized.png"/>
+          <p:cNvPicPr>
+            <a:picLocks noChangeAspect="1" noChangeArrowheads="1"/>
+          </p:cNvPicPr>
+          <p:nvPr/>
+        </p:nvPicPr>
+        <p:blipFill>
+          <a:blip r:embed="rId13" cstate="print"/>
+          <a:srcRect/>
+          <a:stretch>
+            <a:fillRect/>
+          </a:stretch>
+        </p:blipFill>
+        <p:spPr bwMode="auto">
+          <a:xfrm>
+            <a:off x="5097943" y="5350681"/>
+            <a:ext cx="2438400" cy="2438400"/>
+          </a:xfrm>
+          <a:prstGeom prst="rect">
+            <a:avLst/>
+          </a:prstGeom>
+          <a:noFill/>
+        </p:spPr>
+      </p:pic>
+      <p:pic>
+        <p:nvPicPr>
+          <p:cNvPr id="40" name="Picture 28" descr="F:\Report\FaceProject\results\FaceSketcher\exp0013_base_S\test_latest\images\00015040_sketch.png"/>
+          <p:cNvPicPr>
+            <a:picLocks noChangeAspect="1" noChangeArrowheads="1"/>
+          </p:cNvPicPr>
+          <p:nvPr/>
+        </p:nvPicPr>
+        <p:blipFill>
+          <a:blip r:embed="rId14" cstate="print"/>
+          <a:srcRect/>
+          <a:stretch>
+            <a:fillRect/>
+          </a:stretch>
+        </p:blipFill>
+        <p:spPr bwMode="auto">
+          <a:xfrm>
+            <a:off x="9377" y="7954125"/>
+            <a:ext cx="2438400" cy="2438400"/>
+          </a:xfrm>
+          <a:prstGeom prst="rect">
+            <a:avLst/>
+          </a:prstGeom>
+          <a:noFill/>
+        </p:spPr>
+      </p:pic>
+      <p:pic>
+        <p:nvPicPr>
+          <p:cNvPr id="41" name="Picture 30" descr="F:\Report\FaceProject\results\FaceSketcher\exp0013_base_S\test_latest\images\00015040_synthesized.png"/>
+          <p:cNvPicPr>
+            <a:picLocks noChangeAspect="1" noChangeArrowheads="1"/>
+          </p:cNvPicPr>
+          <p:nvPr/>
+        </p:nvPicPr>
+        <p:blipFill>
+          <a:blip r:embed="rId15" cstate="print"/>
+          <a:srcRect/>
+          <a:stretch>
+            <a:fillRect/>
+          </a:stretch>
+        </p:blipFill>
+        <p:spPr bwMode="auto">
+          <a:xfrm>
+            <a:off x="7642225" y="7954125"/>
+            <a:ext cx="2438400" cy="2438400"/>
+          </a:xfrm>
+          <a:prstGeom prst="rect">
+            <a:avLst/>
+          </a:prstGeom>
+          <a:noFill/>
+        </p:spPr>
+      </p:pic>
+      <p:pic>
+        <p:nvPicPr>
+          <p:cNvPr id="42" name="Picture 36" descr="F:\Report\FaceProject\results\FaceSketcher\exp0011_baseline\test_latest\images\00015040_synthesized.png"/>
+          <p:cNvPicPr>
+            <a:picLocks noChangeAspect="1" noChangeArrowheads="1"/>
+          </p:cNvPicPr>
+          <p:nvPr/>
+        </p:nvPicPr>
+        <p:blipFill>
+          <a:blip r:embed="rId16" cstate="print"/>
+          <a:srcRect/>
+          <a:stretch>
+            <a:fillRect/>
+          </a:stretch>
+        </p:blipFill>
+        <p:spPr bwMode="auto">
+          <a:xfrm>
+            <a:off x="2553660" y="7954125"/>
+            <a:ext cx="2438400" cy="2438400"/>
+          </a:xfrm>
+          <a:prstGeom prst="rect">
+            <a:avLst/>
+          </a:prstGeom>
+          <a:noFill/>
+        </p:spPr>
+      </p:pic>
+      <p:pic>
+        <p:nvPicPr>
+          <p:cNvPr id="43" name="Picture 38" descr="F:\Report\FaceProject\results\FaceSketcher\exp0011_baseline_deform\test_latest\images\00015040_synthesized.png"/>
+          <p:cNvPicPr>
+            <a:picLocks noChangeAspect="1" noChangeArrowheads="1"/>
+          </p:cNvPicPr>
+          <p:nvPr/>
+        </p:nvPicPr>
+        <p:blipFill>
+          <a:blip r:embed="rId17" cstate="print"/>
+          <a:srcRect/>
+          <a:stretch>
+            <a:fillRect/>
+          </a:stretch>
+        </p:blipFill>
+        <p:spPr bwMode="auto">
+          <a:xfrm>
+            <a:off x="5097943" y="7954125"/>
+            <a:ext cx="2438400" cy="2438400"/>
+          </a:xfrm>
+          <a:prstGeom prst="rect">
+            <a:avLst/>
+          </a:prstGeom>
+          <a:noFill/>
+        </p:spPr>
+      </p:pic>
+      <p:pic>
+        <p:nvPicPr>
+          <p:cNvPr id="44" name="Picture 40" descr="F:\Report\FaceProject\results\FaceSketcher\exp0013_base_S\test_latest\images\00022373_sketch.png"/>
+          <p:cNvPicPr>
+            <a:picLocks noChangeAspect="1" noChangeArrowheads="1"/>
+          </p:cNvPicPr>
+          <p:nvPr/>
+        </p:nvPicPr>
+        <p:blipFill>
+          <a:blip r:embed="rId18" cstate="print"/>
+          <a:srcRect/>
+          <a:stretch>
+            <a:fillRect/>
+          </a:stretch>
+        </p:blipFill>
+        <p:spPr bwMode="auto">
+          <a:xfrm>
+            <a:off x="9377" y="10557569"/>
+            <a:ext cx="2438400" cy="2438400"/>
+          </a:xfrm>
+          <a:prstGeom prst="rect">
+            <a:avLst/>
+          </a:prstGeom>
+          <a:noFill/>
+        </p:spPr>
+      </p:pic>
+      <p:pic>
+        <p:nvPicPr>
+          <p:cNvPr id="45" name="Picture 42" descr="F:\Report\FaceProject\results\FaceSketcher\exp0013_base_S\test_latest\images\00022373_synthesized.png"/>
+          <p:cNvPicPr>
+            <a:picLocks noChangeAspect="1" noChangeArrowheads="1"/>
+          </p:cNvPicPr>
+          <p:nvPr/>
+        </p:nvPicPr>
+        <p:blipFill>
+          <a:blip r:embed="rId19" cstate="print"/>
+          <a:srcRect/>
+          <a:stretch>
+            <a:fillRect/>
+          </a:stretch>
+        </p:blipFill>
+        <p:spPr bwMode="auto">
+          <a:xfrm>
+            <a:off x="7642225" y="10557569"/>
+            <a:ext cx="2438400" cy="2438400"/>
+          </a:xfrm>
+          <a:prstGeom prst="rect">
+            <a:avLst/>
+          </a:prstGeom>
+          <a:noFill/>
+        </p:spPr>
+      </p:pic>
+      <p:pic>
+        <p:nvPicPr>
+          <p:cNvPr id="46" name="Picture 44" descr="F:\Report\FaceProject\results\FaceSketcher\exp0011_baseline\test_latest\images\00022373_synthesized.png"/>
+          <p:cNvPicPr>
+            <a:picLocks noChangeAspect="1" noChangeArrowheads="1"/>
+          </p:cNvPicPr>
+          <p:nvPr/>
+        </p:nvPicPr>
+        <p:blipFill>
+          <a:blip r:embed="rId20" cstate="print"/>
+          <a:srcRect/>
+          <a:stretch>
+            <a:fillRect/>
+          </a:stretch>
+        </p:blipFill>
+        <p:spPr bwMode="auto">
+          <a:xfrm>
+            <a:off x="5097943" y="10557569"/>
+            <a:ext cx="2438400" cy="2438400"/>
+          </a:xfrm>
+          <a:prstGeom prst="rect">
+            <a:avLst/>
+          </a:prstGeom>
+          <a:noFill/>
+        </p:spPr>
+      </p:pic>
+      <p:pic>
+        <p:nvPicPr>
+          <p:cNvPr id="47" name="Picture 46" descr="F:\Report\FaceProject\results\FaceSketcher\exp0011_baseline_deform\test_latest\images\00022373_synthesized.png"/>
+          <p:cNvPicPr>
+            <a:picLocks noChangeAspect="1" noChangeArrowheads="1"/>
+          </p:cNvPicPr>
+          <p:nvPr/>
+        </p:nvPicPr>
+        <p:blipFill>
+          <a:blip r:embed="rId21" cstate="print"/>
+          <a:srcRect/>
+          <a:stretch>
+            <a:fillRect/>
+          </a:stretch>
+        </p:blipFill>
+        <p:spPr bwMode="auto">
+          <a:xfrm>
+            <a:off x="2553660" y="10557569"/>
+            <a:ext cx="2438400" cy="2438400"/>
+          </a:xfrm>
+          <a:prstGeom prst="rect">
+            <a:avLst/>
+          </a:prstGeom>
+          <a:noFill/>
+        </p:spPr>
+      </p:pic>
+      <p:sp>
+        <p:nvSpPr>
+          <p:cNvPr id="48" name="TextBox 47"/>
+          <p:cNvSpPr txBox="1"/>
+          <p:nvPr/>
+        </p:nvSpPr>
+        <p:spPr>
+          <a:xfrm>
+            <a:off x="649568" y="13077849"/>
+            <a:ext cx="1431802" cy="523220"/>
+          </a:xfrm>
+          <a:prstGeom prst="rect">
+            <a:avLst/>
+          </a:prstGeom>
+          <a:noFill/>
+        </p:spPr>
+        <p:txBody>
+          <a:bodyPr wrap="none" rtlCol="0">
+            <a:spAutoFit/>
+          </a:bodyPr>
+          <a:lstStyle/>
+          <a:p>
+            <a:r>
+              <a:rPr lang="en-US" altLang="zh-CN" sz="2800" dirty="0" smtClean="0">
+                <a:latin typeface="Times New Roman" pitchFamily="18" charset="0"/>
+                <a:cs typeface="Times New Roman" pitchFamily="18" charset="0"/>
+              </a:rPr>
+              <a:t>(a) Input</a:t>
+            </a:r>
+            <a:endParaRPr lang="zh-CN" altLang="en-US" sz="2800" dirty="0">
+              <a:latin typeface="Times New Roman" pitchFamily="18" charset="0"/>
+              <a:cs typeface="Times New Roman" pitchFamily="18" charset="0"/>
+            </a:endParaRPr>
+          </a:p>
+        </p:txBody>
+      </p:sp>
+      <p:sp>
+        <p:nvSpPr>
+          <p:cNvPr id="49" name="TextBox 48"/>
+          <p:cNvSpPr txBox="1"/>
+          <p:nvPr/>
+        </p:nvSpPr>
+        <p:spPr>
+          <a:xfrm>
+            <a:off x="2826893" y="13077849"/>
+            <a:ext cx="1927131" cy="523220"/>
+          </a:xfrm>
+          <a:prstGeom prst="rect">
+            <a:avLst/>
+          </a:prstGeom>
+          <a:noFill/>
+        </p:spPr>
+        <p:txBody>
+          <a:bodyPr wrap="none" rtlCol="0">
+            <a:spAutoFit/>
+          </a:bodyPr>
+          <a:lstStyle/>
+          <a:p>
+            <a:r>
+              <a:rPr lang="en-US" altLang="zh-CN" sz="2800" dirty="0" smtClean="0">
+                <a:latin typeface="Times New Roman" pitchFamily="18" charset="0"/>
+                <a:cs typeface="Times New Roman" pitchFamily="18" charset="0"/>
+              </a:rPr>
+              <a:t>(b) Baseline</a:t>
+            </a:r>
+            <a:endParaRPr lang="zh-CN" altLang="en-US" sz="2800" dirty="0">
+              <a:latin typeface="Times New Roman" pitchFamily="18" charset="0"/>
+              <a:cs typeface="Times New Roman" pitchFamily="18" charset="0"/>
+            </a:endParaRPr>
+          </a:p>
+        </p:txBody>
+      </p:sp>
+      <p:sp>
+        <p:nvSpPr>
+          <p:cNvPr id="50" name="TextBox 49"/>
+          <p:cNvSpPr txBox="1"/>
+          <p:nvPr/>
+        </p:nvSpPr>
+        <p:spPr>
+          <a:xfrm>
+            <a:off x="4761905" y="13077849"/>
+            <a:ext cx="3143809" cy="523220"/>
+          </a:xfrm>
+          <a:prstGeom prst="rect">
+            <a:avLst/>
+          </a:prstGeom>
+          <a:noFill/>
+        </p:spPr>
+        <p:txBody>
+          <a:bodyPr wrap="none" rtlCol="0">
+            <a:spAutoFit/>
+          </a:bodyPr>
+          <a:lstStyle/>
+          <a:p>
+            <a:r>
+              <a:rPr lang="en-US" altLang="zh-CN" sz="2800" dirty="0" smtClean="0">
+                <a:latin typeface="Times New Roman" pitchFamily="18" charset="0"/>
+                <a:cs typeface="Times New Roman" pitchFamily="18" charset="0"/>
+              </a:rPr>
+              <a:t>(c) </a:t>
+            </a:r>
+            <a:r>
+              <a:rPr lang="en-US" altLang="zh-CN" sz="2800" dirty="0" err="1" smtClean="0">
+                <a:latin typeface="Times New Roman" pitchFamily="18" charset="0"/>
+                <a:cs typeface="Times New Roman" pitchFamily="18" charset="0"/>
+              </a:rPr>
+              <a:t>Baseline_deform</a:t>
+            </a:r>
+            <a:endParaRPr lang="zh-CN" altLang="en-US" sz="2800" dirty="0">
+              <a:latin typeface="Times New Roman" pitchFamily="18" charset="0"/>
+              <a:cs typeface="Times New Roman" pitchFamily="18" charset="0"/>
+            </a:endParaRPr>
+          </a:p>
+        </p:txBody>
+      </p:sp>
+      <p:sp>
+        <p:nvSpPr>
+          <p:cNvPr id="51" name="TextBox 50"/>
+          <p:cNvSpPr txBox="1"/>
+          <p:nvPr/>
+        </p:nvSpPr>
+        <p:spPr>
+          <a:xfrm>
+            <a:off x="8208664" y="13077849"/>
+            <a:ext cx="1393330" cy="523220"/>
+          </a:xfrm>
+          <a:prstGeom prst="rect">
+            <a:avLst/>
+          </a:prstGeom>
+          <a:noFill/>
+        </p:spPr>
+        <p:txBody>
+          <a:bodyPr wrap="none" rtlCol="0">
+            <a:spAutoFit/>
+          </a:bodyPr>
+          <a:lstStyle/>
+          <a:p>
+            <a:r>
+              <a:rPr lang="en-US" altLang="zh-CN" sz="2800" dirty="0" smtClean="0">
+                <a:latin typeface="Times New Roman" pitchFamily="18" charset="0"/>
+                <a:cs typeface="Times New Roman" pitchFamily="18" charset="0"/>
+              </a:rPr>
+              <a:t>(d) Ours</a:t>
+            </a:r>
+            <a:endParaRPr lang="zh-CN" altLang="en-US" sz="2800" dirty="0">
+              <a:latin typeface="Times New Roman" pitchFamily="18" charset="0"/>
+              <a:cs typeface="Times New Roman" pitchFamily="18" charset="0"/>
+            </a:endParaRPr>
+          </a:p>
+        </p:txBody>
+      </p:sp>
+    </p:spTree>
+  </p:cSld>
+  <p:clrMapOvr>
+    <a:masterClrMapping/>
+  </p:clrMapOvr>
+</p:sld>
+</file>
+
 <file path=ppt/theme/theme1.xml><?xml version="1.0" encoding="utf-8"?>
 <a:theme xmlns:a="http://schemas.openxmlformats.org/drawingml/2006/main" name="Office 主题">
   <a:themeElements>
@@ -3023,7 +3746,7 @@
         <a:sysClr val="windowText" lastClr="000000"/>
       </a:dk1>
       <a:lt1>
-        <a:sysClr val="window" lastClr="FFFFFF"/>
+        <a:sysClr val="window" lastClr="C7EDCC"/>
       </a:lt1>
       <a:dk2>
         <a:srgbClr val="1F497D"/>
